--- a/자료/배열.pptx
+++ b/자료/배열.pptx
@@ -13971,7 +13971,7 @@
             <a:tbl>
               <a:tblPr bandRow="1" firstRow="1">
                 <a:noFill/>
-                <a:tableStyleId>{782F01AF-3C20-4192-B312-C22BD2D41663}</a:tableStyleId>
+                <a:tableStyleId>{A685F06F-BDD1-487B-8ABF-D9AED4A2BCD5}</a:tableStyleId>
               </a:tblPr>
               <a:tblGrid>
                 <a:gridCol w="827875"/>
@@ -14500,7 +14500,7 @@
             <a:tbl>
               <a:tblPr bandRow="1" firstRow="1">
                 <a:noFill/>
-                <a:tableStyleId>{782F01AF-3C20-4192-B312-C22BD2D41663}</a:tableStyleId>
+                <a:tableStyleId>{A685F06F-BDD1-487B-8ABF-D9AED4A2BCD5}</a:tableStyleId>
               </a:tblPr>
               <a:tblGrid>
                 <a:gridCol w="996275"/>
@@ -14982,7 +14982,7 @@
         <p:spPr>
           <a:xfrm>
             <a:off x="838200" y="1404000"/>
-            <a:ext cx="10515600" cy="4772963"/>
+            <a:ext cx="10515600" cy="5246400"/>
           </a:xfrm>
           <a:prstGeom prst="rect">
             <a:avLst/>
@@ -15016,7 +15016,7 @@
             </a:pPr>
             <a:r>
               <a:rPr lang="en-US" sz="2000"/>
-              <a:t>3, 29, 38, 12, 57, 74, 40, 85, 61 가 있을 때 가장 큰 숫자와 </a:t>
+              <a:t>3, 29, 38, 12, 57, 74, 40, 85, 61, 1 가 있을 때 가장 큰 숫자와 </a:t>
             </a:r>
             <a:br>
               <a:rPr lang="en-US" sz="2000"/>
@@ -15025,23 +15025,38 @@
               <a:rPr lang="en-US" sz="2000"/>
               <a:t>그 위치를 출력하는 프로그램을 작성한다.</a:t>
             </a:r>
-            <a:endParaRPr/>
+            <a:endParaRPr sz="2000"/>
           </a:p>
           <a:p>
-            <a:pPr indent="-101600" lvl="0" marL="228600" rtl="0" algn="l">
-              <a:lnSpc>
-                <a:spcPct val="90000"/>
-              </a:lnSpc>
-              <a:spcBef>
-                <a:spcPts val="1000"/>
-              </a:spcBef>
-              <a:spcAft>
-                <a:spcPts val="0"/>
-              </a:spcAft>
-              <a:buClr>
-                <a:schemeClr val="dk1"/>
-              </a:buClr>
-              <a:buSzPts val="2000"/>
+            <a:pPr indent="0" lvl="0" marL="0" rtl="0" algn="l">
+              <a:lnSpc>
+                <a:spcPct val="90000"/>
+              </a:lnSpc>
+              <a:spcBef>
+                <a:spcPts val="0"/>
+              </a:spcBef>
+              <a:spcAft>
+                <a:spcPts val="0"/>
+              </a:spcAft>
+              <a:buNone/>
+            </a:pPr>
+            <a:r>
+              <a:rPr lang="en-US" sz="2000"/>
+              <a:t>&gt;&gt; 85 7</a:t>
+            </a:r>
+            <a:endParaRPr sz="2000"/>
+          </a:p>
+          <a:p>
+            <a:pPr indent="0" lvl="0" marL="0" rtl="0" algn="l">
+              <a:lnSpc>
+                <a:spcPct val="90000"/>
+              </a:lnSpc>
+              <a:spcBef>
+                <a:spcPts val="0"/>
+              </a:spcBef>
+              <a:spcAft>
+                <a:spcPts val="0"/>
+              </a:spcAft>
               <a:buNone/>
             </a:pPr>
             <a:r>
@@ -15055,7 +15070,7 @@
                 <a:spcPct val="90000"/>
               </a:lnSpc>
               <a:spcBef>
-                <a:spcPts val="1000"/>
+                <a:spcPts val="0"/>
               </a:spcBef>
               <a:spcAft>
                 <a:spcPts val="0"/>
@@ -15065,23 +15080,65 @@
             <a:r>
               <a:t/>
             </a:r>
-            <a:endParaRPr/>
+            <a:endParaRPr sz="2000"/>
           </a:p>
           <a:p>
-            <a:pPr indent="-101600" lvl="0" marL="228600" rtl="0" algn="l">
-              <a:lnSpc>
-                <a:spcPct val="90000"/>
-              </a:lnSpc>
-              <a:spcBef>
-                <a:spcPts val="1000"/>
-              </a:spcBef>
-              <a:spcAft>
-                <a:spcPts val="0"/>
-              </a:spcAft>
-              <a:buClr>
-                <a:schemeClr val="dk1"/>
-              </a:buClr>
+            <a:pPr indent="-228600" lvl="0" marL="228600" rtl="0" algn="l">
+              <a:lnSpc>
+                <a:spcPct val="90000"/>
+              </a:lnSpc>
+              <a:spcBef>
+                <a:spcPts val="0"/>
+              </a:spcBef>
+              <a:spcAft>
+                <a:spcPts val="0"/>
+              </a:spcAft>
               <a:buSzPts val="2000"/>
+              <a:buChar char="•"/>
+            </a:pPr>
+            <a:r>
+              <a:rPr lang="en-US" sz="2000"/>
+              <a:t>키보드로 문장을 입력받은 후에 대문자를 찾아 소문자로 바꾸는 프로그램을 작성한다. 바뀐 문장과 바뀐 문장의 수도 함께 출력한다.</a:t>
+            </a:r>
+            <a:endParaRPr sz="2000"/>
+          </a:p>
+          <a:p>
+            <a:pPr indent="0" lvl="0" marL="0" rtl="0" algn="l">
+              <a:lnSpc>
+                <a:spcPct val="90000"/>
+              </a:lnSpc>
+              <a:spcBef>
+                <a:spcPts val="0"/>
+              </a:spcBef>
+              <a:spcAft>
+                <a:spcPts val="0"/>
+              </a:spcAft>
+              <a:buNone/>
+            </a:pPr>
+            <a:r>
+              <a:rPr lang="en-US" sz="2000"/>
+              <a:t>&gt;&gt; Don’t Worry</a:t>
+            </a:r>
+            <a:br>
+              <a:rPr lang="en-US" sz="2000"/>
+            </a:br>
+            <a:r>
+              <a:rPr lang="en-US" sz="2000"/>
+              <a:t>	don’t worry</a:t>
+            </a:r>
+            <a:endParaRPr sz="2000"/>
+          </a:p>
+          <a:p>
+            <a:pPr indent="0" lvl="0" marL="0" rtl="0" algn="l">
+              <a:lnSpc>
+                <a:spcPct val="90000"/>
+              </a:lnSpc>
+              <a:spcBef>
+                <a:spcPts val="0"/>
+              </a:spcBef>
+              <a:spcAft>
+                <a:spcPts val="0"/>
+              </a:spcAft>
               <a:buNone/>
             </a:pPr>
             <a:r>
@@ -15140,7 +15197,37 @@
               <a:rPr lang="en-US" sz="1800"/>
               <a:t>예를 들어 A = 150, B = 266, C = 427 이라면 A × B × C = 150 × 266 × 427 = 17037300 이 되고, 계산한 결과 17037300 에는 0이 3번, 1이 1번, 3이 2번, 7이 2번 쓰였다.</a:t>
             </a:r>
-            <a:endParaRPr/>
+            <a:endParaRPr sz="1800"/>
+          </a:p>
+          <a:p>
+            <a:pPr indent="0" lvl="0" marL="0" rtl="0" algn="l">
+              <a:lnSpc>
+                <a:spcPct val="90000"/>
+              </a:lnSpc>
+              <a:spcBef>
+                <a:spcPts val="1000"/>
+              </a:spcBef>
+              <a:spcAft>
+                <a:spcPts val="0"/>
+              </a:spcAft>
+              <a:buClr>
+                <a:schemeClr val="dk1"/>
+              </a:buClr>
+              <a:buSzPts val="1800"/>
+              <a:buNone/>
+            </a:pPr>
+            <a:r>
+              <a:rPr lang="en-US" sz="1800"/>
+              <a:t>&gt;&gt; 0 1 2 3 4 5 6 7 8 9</a:t>
+            </a:r>
+            <a:br>
+              <a:rPr lang="en-US" sz="1800"/>
+            </a:br>
+            <a:r>
+              <a:rPr lang="en-US" sz="1800"/>
+              <a:t>     3 1 0 2 0 0 0 2 0 0</a:t>
+            </a:r>
+            <a:endParaRPr sz="1800"/>
           </a:p>
         </p:txBody>
       </p:sp>
@@ -15635,7 +15722,7 @@
             <a:endParaRPr/>
           </a:p>
           <a:p>
-            <a:pPr indent="-101600" lvl="0" marL="228600" rtl="0" algn="l">
+            <a:pPr indent="0" lvl="0" marL="0" rtl="0" algn="l">
               <a:lnSpc>
                 <a:spcPct val="90000"/>
               </a:lnSpc>
@@ -15645,37 +15732,10 @@
               <a:spcAft>
                 <a:spcPts val="0"/>
               </a:spcAft>
-              <a:buClr>
-                <a:schemeClr val="dk1"/>
-              </a:buClr>
-              <a:buSzPts val="2000"/>
               <a:buNone/>
             </a:pPr>
             <a:r>
               <a:t/>
-            </a:r>
-            <a:endParaRPr sz="2000"/>
-          </a:p>
-          <a:p>
-            <a:pPr indent="-228600" lvl="0" marL="228600" rtl="0" algn="l">
-              <a:lnSpc>
-                <a:spcPct val="90000"/>
-              </a:lnSpc>
-              <a:spcBef>
-                <a:spcPts val="1000"/>
-              </a:spcBef>
-              <a:spcAft>
-                <a:spcPts val="0"/>
-              </a:spcAft>
-              <a:buClr>
-                <a:schemeClr val="dk1"/>
-              </a:buClr>
-              <a:buSzPts val="2000"/>
-              <a:buChar char="•"/>
-            </a:pPr>
-            <a:r>
-              <a:rPr lang="en-US" sz="2000"/>
-              <a:t>데이터가 연속적으로 저장되어 있기 때문에 반복문을 사용할 수 있다.</a:t>
             </a:r>
             <a:endParaRPr/>
           </a:p>
@@ -18339,7 +18399,7 @@
             <a:endParaRPr/>
           </a:p>
           <a:p>
-            <a:pPr indent="-228600" lvl="0" marL="228600" marR="0" rtl="0" algn="l">
+            <a:pPr indent="0" lvl="0" marL="0" marR="0" rtl="0" algn="l">
               <a:lnSpc>
                 <a:spcPct val="90000"/>
               </a:lnSpc>
@@ -18349,12 +18409,7 @@
               <a:spcAft>
                 <a:spcPts val="0"/>
               </a:spcAft>
-              <a:buClr>
-                <a:schemeClr val="dk1"/>
-              </a:buClr>
-              <a:buSzPts val="2000"/>
-              <a:buFont typeface="Arial"/>
-              <a:buChar char="•"/>
+              <a:buNone/>
             </a:pPr>
             <a:r>
               <a:rPr lang="en-US" sz="2000">
@@ -18366,7 +18421,7 @@
                 <a:cs typeface="Malgun Gothic"/>
                 <a:sym typeface="Malgun Gothic"/>
               </a:rPr>
-              <a:t>arr[0]으로부터 0칸, 1칸, 2칸 의 이동을 의미</a:t>
+              <a:t>arr[0]으로부터 0칸, 1칸, 2칸의 이동</a:t>
             </a:r>
             <a:endParaRPr sz="2000">
               <a:solidFill>
@@ -18835,7 +18890,7 @@
             <a:tbl>
               <a:tblPr>
                 <a:noFill/>
-                <a:tableStyleId>{E66889E4-AAE7-4578-A414-68F01E7AE21A}</a:tableStyleId>
+                <a:tableStyleId>{97163496-3625-464A-BCF4-D433E61302F4}</a:tableStyleId>
               </a:tblPr>
               <a:tblGrid>
                 <a:gridCol w="2036975"/>
@@ -19408,7 +19463,7 @@
             <a:tbl>
               <a:tblPr>
                 <a:noFill/>
-                <a:tableStyleId>{E66889E4-AAE7-4578-A414-68F01E7AE21A}</a:tableStyleId>
+                <a:tableStyleId>{97163496-3625-464A-BCF4-D433E61302F4}</a:tableStyleId>
               </a:tblPr>
               <a:tblGrid>
                 <a:gridCol w="2036975"/>
@@ -20352,7 +20407,7 @@
             <a:tbl>
               <a:tblPr>
                 <a:noFill/>
-                <a:tableStyleId>{E66889E4-AAE7-4578-A414-68F01E7AE21A}</a:tableStyleId>
+                <a:tableStyleId>{97163496-3625-464A-BCF4-D433E61302F4}</a:tableStyleId>
               </a:tblPr>
               <a:tblGrid>
                 <a:gridCol w="2036975"/>
